--- a/images/behave-multiplier.pptx
+++ b/images/behave-multiplier.pptx
@@ -283,7 +283,7 @@
               <a:pPr>
                 <a:defRPr/>
               </a:pPr>
-              <a:t>8/24/23</a:t>
+              <a:t>11/19/2021</a:t>
             </a:fld>
             <a:endParaRPr lang="en-US" dirty="0"/>
           </a:p>
@@ -506,7 +506,7 @@
               <a:pPr>
                 <a:defRPr/>
               </a:pPr>
-              <a:t>8/24/23</a:t>
+              <a:t>11/19/2021</a:t>
             </a:fld>
             <a:endParaRPr lang="en-US" dirty="0"/>
           </a:p>
@@ -930,7 +930,7 @@
               </a14:hiddenLine>
             </a:ext>
             <a:ext uri="{FAA26D3D-D897-4be2-8F04-BA451C77F1D7}">
-              <ma14:placeholderFlag xmlns="" xmlns:ma14="http://schemas.microsoft.com/office/mac/drawingml/2011/main" val="1"/>
+              <ma14:placeholderFlag xmlns:ma14="http://schemas.microsoft.com/office/mac/drawingml/2011/main" xmlns="" val="1"/>
             </a:ext>
           </a:extLst>
         </p:spPr>
@@ -1604,9 +1604,9 @@
         <p:grpSpPr>
           <a:xfrm>
             <a:off x="699007" y="891334"/>
-            <a:ext cx="7899870" cy="2378808"/>
+            <a:ext cx="7899870" cy="2553010"/>
             <a:chOff x="699007" y="891334"/>
-            <a:chExt cx="7899870" cy="2378808"/>
+            <a:chExt cx="7899870" cy="2553010"/>
           </a:xfrm>
         </p:grpSpPr>
         <p:sp>
@@ -1624,7 +1624,7 @@
           <p:spPr>
             <a:xfrm>
               <a:off x="699008" y="891334"/>
-              <a:ext cx="7899869" cy="2378808"/>
+              <a:ext cx="7899869" cy="2553010"/>
             </a:xfrm>
             <a:prstGeom prst="rect">
               <a:avLst/>
@@ -1746,7 +1746,7 @@
           </p:nvSpPr>
           <p:spPr>
             <a:xfrm>
-              <a:off x="4009477" y="1388608"/>
+              <a:off x="4009477" y="1926975"/>
               <a:ext cx="3657416" cy="545768"/>
             </a:xfrm>
             <a:prstGeom prst="rect">
@@ -1866,7 +1866,7 @@
           </p:nvSpPr>
           <p:spPr>
             <a:xfrm>
-              <a:off x="4007084" y="2465340"/>
+              <a:off x="4009477" y="2726010"/>
               <a:ext cx="4519062" cy="545768"/>
             </a:xfrm>
             <a:prstGeom prst="rect">
@@ -1990,6 +1990,110 @@
         </p:sp>
         <p:sp>
           <p:nvSpPr>
+            <p:cNvPr id="8" name="Rectangle 7">
+              <a:extLst>
+                <a:ext uri="{FF2B5EF4-FFF2-40B4-BE49-F238E27FC236}">
+                  <a16:creationId xmlns:a16="http://schemas.microsoft.com/office/drawing/2014/main" id="{A78B6E9F-B01C-4634-BC6E-39B860153F92}"/>
+                </a:ext>
+              </a:extLst>
+            </p:cNvPr>
+            <p:cNvSpPr/>
+            <p:nvPr/>
+          </p:nvSpPr>
+          <p:spPr>
+            <a:xfrm>
+              <a:off x="1893469" y="1310274"/>
+              <a:ext cx="1330904" cy="420435"/>
+            </a:xfrm>
+            <a:prstGeom prst="rect">
+              <a:avLst/>
+            </a:prstGeom>
+            <a:solidFill>
+              <a:schemeClr val="accent6">
+                <a:lumMod val="20000"/>
+                <a:lumOff val="80000"/>
+              </a:schemeClr>
+            </a:solidFill>
+            <a:ln w="12700">
+              <a:solidFill>
+                <a:srgbClr val="000000"/>
+              </a:solidFill>
+            </a:ln>
+            <a:effectLst/>
+          </p:spPr>
+          <p:style>
+            <a:lnRef idx="2">
+              <a:schemeClr val="accent1">
+                <a:shade val="50000"/>
+              </a:schemeClr>
+            </a:lnRef>
+            <a:fillRef idx="1">
+              <a:schemeClr val="accent1"/>
+            </a:fillRef>
+            <a:effectRef idx="0">
+              <a:schemeClr val="accent1"/>
+            </a:effectRef>
+            <a:fontRef idx="minor">
+              <a:schemeClr val="lt1"/>
+            </a:fontRef>
+          </p:style>
+          <p:txBody>
+            <a:bodyPr rtlCol="0" anchor="ctr"/>
+            <a:lstStyle/>
+            <a:p>
+              <a:r>
+                <a:rPr lang="en-US" sz="800" dirty="0">
+                  <a:latin typeface="Courier New" panose="02070309020205020404" pitchFamily="49" charset="0"/>
+                  <a:cs typeface="Courier New" panose="02070309020205020404" pitchFamily="49" charset="0"/>
+                </a:rPr>
+                <a:t>plan-component self</a:t>
+              </a:r>
+            </a:p>
+            <a:p>
+              <a:endParaRPr lang="en-US" sz="800" dirty="0">
+                <a:latin typeface="Courier New" panose="02070309020205020404" pitchFamily="49" charset="0"/>
+                <a:cs typeface="Courier New" panose="02070309020205020404" pitchFamily="49" charset="0"/>
+              </a:endParaRPr>
+            </a:p>
+            <a:p>
+              <a:r>
+                <a:rPr lang="en-US" sz="800" dirty="0">
+                  <a:latin typeface="Courier New" panose="02070309020205020404" pitchFamily="49" charset="0"/>
+                  <a:cs typeface="Courier New" panose="02070309020205020404" pitchFamily="49" charset="0"/>
+                </a:rPr>
+                <a:t>     </a:t>
+              </a:r>
+              <a:r>
+                <a:rPr lang="en-US" sz="800" dirty="0" err="1">
+                  <a:latin typeface="Courier New" panose="02070309020205020404" pitchFamily="49" charset="0"/>
+                  <a:cs typeface="Courier New" panose="02070309020205020404" pitchFamily="49" charset="0"/>
+                </a:rPr>
+                <a:t>init</a:t>
+              </a:r>
+              <a:r>
+                <a:rPr lang="en-US" sz="800" dirty="0">
+                  <a:latin typeface="Courier New" panose="02070309020205020404" pitchFamily="49" charset="0"/>
+                  <a:cs typeface="Courier New" panose="02070309020205020404" pitchFamily="49" charset="0"/>
+                </a:rPr>
+                <a:t> </a:t>
+              </a:r>
+              <a:r>
+                <a:rPr lang="en-US" sz="800" dirty="0">
+                  <a:latin typeface="Courier New" panose="02070309020205020404" pitchFamily="49" charset="0"/>
+                  <a:cs typeface="Courier New" panose="02070309020205020404" pitchFamily="49" charset="0"/>
+                  <a:sym typeface="Wingdings" panose="05000000000000000000" pitchFamily="2" charset="2"/>
+                </a:rPr>
+                <a:t> ready</a:t>
+              </a:r>
+              <a:endParaRPr lang="en-SI" sz="800" dirty="0">
+                <a:latin typeface="Courier New" panose="02070309020205020404" pitchFamily="49" charset="0"/>
+                <a:cs typeface="Courier New" panose="02070309020205020404" pitchFamily="49" charset="0"/>
+              </a:endParaRPr>
+            </a:p>
+          </p:txBody>
+        </p:sp>
+        <p:sp>
+          <p:nvSpPr>
             <p:cNvPr id="9" name="Rectangle 8">
               <a:extLst>
                 <a:ext uri="{FF2B5EF4-FFF2-40B4-BE49-F238E27FC236}">
@@ -2002,7 +2106,7 @@
           </p:nvSpPr>
           <p:spPr>
             <a:xfrm>
-              <a:off x="1891076" y="1331608"/>
+              <a:off x="1891076" y="1869975"/>
               <a:ext cx="1766524" cy="659769"/>
             </a:xfrm>
             <a:prstGeom prst="rect">
@@ -2153,7 +2257,7 @@
           </p:nvSpPr>
           <p:spPr>
             <a:xfrm>
-              <a:off x="1891076" y="2408340"/>
+              <a:off x="1893469" y="2669010"/>
               <a:ext cx="1764131" cy="659769"/>
             </a:xfrm>
             <a:prstGeom prst="rect">
@@ -2220,11 +2324,70 @@
                   <a:latin typeface="Courier New" panose="02070309020205020404" pitchFamily="49" charset="0"/>
                   <a:cs typeface="Courier New" panose="02070309020205020404" pitchFamily="49" charset="0"/>
                 </a:rPr>
-                <a:t>when: is-virtual = 'true'</a:t>
+                <a:t>when: is-virtual </a:t>
+              </a:r>
+              <a:r>
+                <a:rPr lang="en-US" sz="800">
+                  <a:latin typeface="Courier New" panose="02070309020205020404" pitchFamily="49" charset="0"/>
+                  <a:cs typeface="Courier New" panose="02070309020205020404" pitchFamily="49" charset="0"/>
+                </a:rPr>
+                <a:t>= 'true</a:t>
+              </a:r>
+              <a:r>
+                <a:rPr lang="en-US" sz="800" dirty="0">
+                  <a:latin typeface="Courier New" panose="02070309020205020404" pitchFamily="49" charset="0"/>
+                  <a:cs typeface="Courier New" panose="02070309020205020404" pitchFamily="49" charset="0"/>
+                </a:rPr>
+                <a:t>'</a:t>
               </a:r>
             </a:p>
           </p:txBody>
         </p:sp>
+        <p:cxnSp>
+          <p:nvCxnSpPr>
+            <p:cNvPr id="25" name="Connector: Elbow 24">
+              <a:extLst>
+                <a:ext uri="{FF2B5EF4-FFF2-40B4-BE49-F238E27FC236}">
+                  <a16:creationId xmlns:a16="http://schemas.microsoft.com/office/drawing/2014/main" id="{CE78C332-DB93-4AC0-968C-CAA7094A27A5}"/>
+                </a:ext>
+              </a:extLst>
+            </p:cNvPr>
+            <p:cNvCxnSpPr>
+              <a:stCxn id="10" idx="3"/>
+              <a:endCxn id="8" idx="1"/>
+            </p:cNvCxnSpPr>
+            <p:nvPr/>
+          </p:nvCxnSpPr>
+          <p:spPr>
+            <a:xfrm flipV="1">
+              <a:off x="1541593" y="1520492"/>
+              <a:ext cx="351876" cy="679367"/>
+            </a:xfrm>
+            <a:prstGeom prst="bentConnector3">
+              <a:avLst/>
+            </a:prstGeom>
+            <a:ln w="12700">
+              <a:solidFill>
+                <a:srgbClr val="000000"/>
+              </a:solidFill>
+              <a:tailEnd type="triangle"/>
+            </a:ln>
+          </p:spPr>
+          <p:style>
+            <a:lnRef idx="1">
+              <a:schemeClr val="accent1"/>
+            </a:lnRef>
+            <a:fillRef idx="0">
+              <a:schemeClr val="accent1"/>
+            </a:fillRef>
+            <a:effectRef idx="0">
+              <a:schemeClr val="accent1"/>
+            </a:effectRef>
+            <a:fontRef idx="minor">
+              <a:schemeClr val="tx1"/>
+            </a:fontRef>
+          </p:style>
+        </p:cxnSp>
         <p:cxnSp>
           <p:nvCxnSpPr>
             <p:cNvPr id="31" name="Connector: Elbow 30">
@@ -2244,9 +2407,55 @@
           <p:spPr>
             <a:xfrm>
               <a:off x="1541593" y="2199859"/>
-              <a:ext cx="349483" cy="538366"/>
+              <a:ext cx="351876" cy="799036"/>
             </a:xfrm>
             <a:prstGeom prst="bentConnector3">
+              <a:avLst/>
+            </a:prstGeom>
+            <a:ln w="12700">
+              <a:solidFill>
+                <a:srgbClr val="000000"/>
+              </a:solidFill>
+              <a:tailEnd type="triangle"/>
+            </a:ln>
+          </p:spPr>
+          <p:style>
+            <a:lnRef idx="1">
+              <a:schemeClr val="accent1"/>
+            </a:lnRef>
+            <a:fillRef idx="0">
+              <a:schemeClr val="accent1"/>
+            </a:fillRef>
+            <a:effectRef idx="0">
+              <a:schemeClr val="accent1"/>
+            </a:effectRef>
+            <a:fontRef idx="minor">
+              <a:schemeClr val="tx1"/>
+            </a:fontRef>
+          </p:style>
+        </p:cxnSp>
+        <p:cxnSp>
+          <p:nvCxnSpPr>
+            <p:cNvPr id="33" name="Straight Arrow Connector 32">
+              <a:extLst>
+                <a:ext uri="{FF2B5EF4-FFF2-40B4-BE49-F238E27FC236}">
+                  <a16:creationId xmlns:a16="http://schemas.microsoft.com/office/drawing/2014/main" id="{DFEE326B-EFC9-42DA-9F91-92D982969DC3}"/>
+                </a:ext>
+              </a:extLst>
+            </p:cNvPr>
+            <p:cNvCxnSpPr>
+              <a:cxnSpLocks/>
+              <a:stCxn id="10" idx="3"/>
+              <a:endCxn id="9" idx="1"/>
+            </p:cNvCxnSpPr>
+            <p:nvPr/>
+          </p:nvCxnSpPr>
+          <p:spPr>
+            <a:xfrm>
+              <a:off x="1541593" y="2199859"/>
+              <a:ext cx="349483" cy="1"/>
+            </a:xfrm>
+            <a:prstGeom prst="straightConnector1">
               <a:avLst/>
             </a:prstGeom>
             <a:ln w="12700">
@@ -2289,7 +2498,7 @@
           </p:nvCxnSpPr>
           <p:spPr>
             <a:xfrm flipV="1">
-              <a:off x="3657600" y="1661492"/>
+              <a:off x="3657600" y="2199859"/>
               <a:ext cx="351877" cy="1"/>
             </a:xfrm>
             <a:prstGeom prst="straightConnector1">
@@ -2335,7 +2544,7 @@
           </p:nvCxnSpPr>
           <p:spPr>
             <a:xfrm flipV="1">
-              <a:off x="3655207" y="2738224"/>
+              <a:off x="3657600" y="2998894"/>
               <a:ext cx="351877" cy="1"/>
             </a:xfrm>
             <a:prstGeom prst="straightConnector1">
@@ -2364,54 +2573,6 @@
           </p:style>
         </p:cxnSp>
       </p:grpSp>
-      <p:cxnSp>
-        <p:nvCxnSpPr>
-          <p:cNvPr id="17" name="Connector: Elbow 30">
-            <a:extLst>
-              <a:ext uri="{FF2B5EF4-FFF2-40B4-BE49-F238E27FC236}">
-                <a16:creationId xmlns:a16="http://schemas.microsoft.com/office/drawing/2014/main" id="{B51500EB-47CA-5192-B5C6-7AE46A914FC1}"/>
-              </a:ext>
-            </a:extLst>
-          </p:cNvPr>
-          <p:cNvCxnSpPr>
-            <a:cxnSpLocks/>
-            <a:stCxn id="10" idx="3"/>
-            <a:endCxn id="9" idx="1"/>
-          </p:cNvCxnSpPr>
-          <p:nvPr/>
-        </p:nvCxnSpPr>
-        <p:spPr>
-          <a:xfrm flipV="1">
-            <a:off x="1541593" y="1661493"/>
-            <a:ext cx="349483" cy="538366"/>
-          </a:xfrm>
-          <a:prstGeom prst="bentConnector3">
-            <a:avLst>
-              <a:gd name="adj1" fmla="val 50000"/>
-            </a:avLst>
-          </a:prstGeom>
-          <a:ln w="12700">
-            <a:solidFill>
-              <a:srgbClr val="000000"/>
-            </a:solidFill>
-            <a:tailEnd type="triangle"/>
-          </a:ln>
-        </p:spPr>
-        <p:style>
-          <a:lnRef idx="1">
-            <a:schemeClr val="accent1"/>
-          </a:lnRef>
-          <a:fillRef idx="0">
-            <a:schemeClr val="accent1"/>
-          </a:fillRef>
-          <a:effectRef idx="0">
-            <a:schemeClr val="accent1"/>
-          </a:effectRef>
-          <a:fontRef idx="minor">
-            <a:schemeClr val="tx1"/>
-          </a:fontRef>
-        </p:style>
-      </p:cxnSp>
     </p:spTree>
     <p:extLst>
       <p:ext uri="{BB962C8B-B14F-4D97-AF65-F5344CB8AC3E}">
@@ -3353,6 +3514,23 @@
 </file>
 
 <file path=customXml/item1.xml><?xml version="1.0" encoding="utf-8"?>
+<p:properties xmlns:p="http://schemas.microsoft.com/office/2006/metadata/properties" xmlns:xsi="http://www.w3.org/2001/XMLSchema-instance" xmlns:pc="http://schemas.microsoft.com/office/infopath/2007/PartnerControls">
+  <documentManagement>
+    <x0h2 xmlns="34968e7b-9d4e-4a89-8768-2a6d2a4b1992" xsi:nil="true"/>
+  </documentManagement>
+</p:properties>
+</file>
+
+<file path=customXml/item2.xml><?xml version="1.0" encoding="utf-8"?>
+<?mso-contentType ?>
+<FormTemplates xmlns="http://schemas.microsoft.com/sharepoint/v3/contenttype/forms">
+  <Display>DocumentLibraryForm</Display>
+  <Edit>DocumentLibraryForm</Edit>
+  <New>DocumentLibraryForm</New>
+</FormTemplates>
+</file>
+
+<file path=customXml/item3.xml><?xml version="1.0" encoding="utf-8"?>
 <ct:contentTypeSchema xmlns:ct="http://schemas.microsoft.com/office/2006/metadata/contentType" xmlns:ma="http://schemas.microsoft.com/office/2006/metadata/properties/metaAttributes" ct:_="" ma:_="" ma:contentTypeName="Document" ma:contentTypeID="0x01010065A1BAB3F0E3AE4B89D7529244B468AD" ma:contentTypeVersion="12" ma:contentTypeDescription="Create a new document." ma:contentTypeScope="" ma:versionID="e09e7bb66b72f1a88936044f6fa81ee5">
   <xsd:schema xmlns:xsd="http://www.w3.org/2001/XMLSchema" xmlns:xs="http://www.w3.org/2001/XMLSchema" xmlns:p="http://schemas.microsoft.com/office/2006/metadata/properties" xmlns:ns2="34968e7b-9d4e-4a89-8768-2a6d2a4b1992" xmlns:ns3="1f94f914-f638-4817-9525-03fcae7a639e" targetNamespace="http://schemas.microsoft.com/office/2006/metadata/properties" ma:root="true" ma:fieldsID="45c1bad7a87e1818c5cdb44ac099ab40" ns2:_="" ns3:_="">
     <xsd:import namespace="34968e7b-9d4e-4a89-8768-2a6d2a4b1992"/>
@@ -3569,24 +3747,32 @@
 </ct:contentTypeSchema>
 </file>
 
-<file path=customXml/item2.xml><?xml version="1.0" encoding="utf-8"?>
-<?mso-contentType ?>
-<FormTemplates xmlns="http://schemas.microsoft.com/sharepoint/v3/contenttype/forms">
-  <Display>DocumentLibraryForm</Display>
-  <Edit>DocumentLibraryForm</Edit>
-  <New>DocumentLibraryForm</New>
-</FormTemplates>
+<file path=customXml/itemProps1.xml><?xml version="1.0" encoding="utf-8"?>
+<ds:datastoreItem xmlns:ds="http://schemas.openxmlformats.org/officeDocument/2006/customXml" ds:itemID="{B3D56160-6CAC-411B-BC9E-725DD541A968}">
+  <ds:schemaRefs>
+    <ds:schemaRef ds:uri="http://purl.org/dc/dcmitype/"/>
+    <ds:schemaRef ds:uri="34968e7b-9d4e-4a89-8768-2a6d2a4b1992"/>
+    <ds:schemaRef ds:uri="1f94f914-f638-4817-9525-03fcae7a639e"/>
+    <ds:schemaRef ds:uri="http://www.w3.org/XML/1998/namespace"/>
+    <ds:schemaRef ds:uri="http://purl.org/dc/elements/1.1/"/>
+    <ds:schemaRef ds:uri="http://schemas.microsoft.com/office/2006/documentManagement/types"/>
+    <ds:schemaRef ds:uri="http://purl.org/dc/terms/"/>
+    <ds:schemaRef ds:uri="http://schemas.microsoft.com/office/infopath/2007/PartnerControls"/>
+    <ds:schemaRef ds:uri="http://schemas.openxmlformats.org/package/2006/metadata/core-properties"/>
+    <ds:schemaRef ds:uri="http://schemas.microsoft.com/office/2006/metadata/properties"/>
+  </ds:schemaRefs>
+</ds:datastoreItem>
 </file>
 
-<file path=customXml/item3.xml><?xml version="1.0" encoding="utf-8"?>
-<p:properties xmlns:p="http://schemas.microsoft.com/office/2006/metadata/properties" xmlns:xsi="http://www.w3.org/2001/XMLSchema-instance" xmlns:pc="http://schemas.microsoft.com/office/infopath/2007/PartnerControls">
-  <documentManagement>
-    <x0h2 xmlns="34968e7b-9d4e-4a89-8768-2a6d2a4b1992" xsi:nil="true"/>
-  </documentManagement>
-</p:properties>
+<file path=customXml/itemProps2.xml><?xml version="1.0" encoding="utf-8"?>
+<ds:datastoreItem xmlns:ds="http://schemas.openxmlformats.org/officeDocument/2006/customXml" ds:itemID="{7DE97B48-5A2B-4B7A-A549-0A8718B50E56}">
+  <ds:schemaRefs>
+    <ds:schemaRef ds:uri="http://schemas.microsoft.com/sharepoint/v3/contenttype/forms"/>
+  </ds:schemaRefs>
+</ds:datastoreItem>
 </file>
 
-<file path=customXml/itemProps1.xml><?xml version="1.0" encoding="utf-8"?>
+<file path=customXml/itemProps3.xml><?xml version="1.0" encoding="utf-8"?>
 <ds:datastoreItem xmlns:ds="http://schemas.openxmlformats.org/officeDocument/2006/customXml" ds:itemID="{20884EB5-7697-43A0-AD21-C147D1530140}">
   <ds:schemaRefs>
     <ds:schemaRef ds:uri="http://schemas.microsoft.com/office/2006/metadata/contentType"/>
@@ -3603,29 +3789,4 @@
     <ds:schemaRef ds:uri="http://schemas.microsoft.com/internal/obd"/>
   </ds:schemaRefs>
 </ds:datastoreItem>
-</file>
-
-<file path=customXml/itemProps2.xml><?xml version="1.0" encoding="utf-8"?>
-<ds:datastoreItem xmlns:ds="http://schemas.openxmlformats.org/officeDocument/2006/customXml" ds:itemID="{7DE97B48-5A2B-4B7A-A549-0A8718B50E56}">
-  <ds:schemaRefs>
-    <ds:schemaRef ds:uri="http://schemas.microsoft.com/sharepoint/v3/contenttype/forms"/>
-  </ds:schemaRefs>
-</ds:datastoreItem>
-</file>
-
-<file path=customXml/itemProps3.xml><?xml version="1.0" encoding="utf-8"?>
-<ds:datastoreItem xmlns:ds="http://schemas.openxmlformats.org/officeDocument/2006/customXml" ds:itemID="{B3D56160-6CAC-411B-BC9E-725DD541A968}">
-  <ds:schemaRefs>
-    <ds:schemaRef ds:uri="http://purl.org/dc/dcmitype/"/>
-    <ds:schemaRef ds:uri="34968e7b-9d4e-4a89-8768-2a6d2a4b1992"/>
-    <ds:schemaRef ds:uri="1f94f914-f638-4817-9525-03fcae7a639e"/>
-    <ds:schemaRef ds:uri="http://www.w3.org/XML/1998/namespace"/>
-    <ds:schemaRef ds:uri="http://purl.org/dc/elements/1.1/"/>
-    <ds:schemaRef ds:uri="http://schemas.microsoft.com/office/2006/documentManagement/types"/>
-    <ds:schemaRef ds:uri="http://purl.org/dc/terms/"/>
-    <ds:schemaRef ds:uri="http://schemas.microsoft.com/office/infopath/2007/PartnerControls"/>
-    <ds:schemaRef ds:uri="http://schemas.openxmlformats.org/package/2006/metadata/core-properties"/>
-    <ds:schemaRef ds:uri="http://schemas.microsoft.com/office/2006/metadata/properties"/>
-  </ds:schemaRefs>
-</ds:datastoreItem>
 </file>